--- a/Documentation/final_presentation.pptx
+++ b/Documentation/final_presentation.pptx
@@ -6,10 +6,10 @@
     <p:sldMasterId id="2147483764" r:id="rId2"/>
   </p:sldMasterIdLst>
   <p:notesMasterIdLst>
-    <p:notesMasterId r:id="rId15"/>
+    <p:notesMasterId r:id="rId18"/>
   </p:notesMasterIdLst>
   <p:handoutMasterIdLst>
-    <p:handoutMasterId r:id="rId16"/>
+    <p:handoutMasterId r:id="rId19"/>
   </p:handoutMasterIdLst>
   <p:sldIdLst>
     <p:sldId id="800" r:id="rId3"/>
@@ -21,9 +21,12 @@
     <p:sldId id="810" r:id="rId9"/>
     <p:sldId id="812" r:id="rId10"/>
     <p:sldId id="814" r:id="rId11"/>
-    <p:sldId id="813" r:id="rId12"/>
-    <p:sldId id="815" r:id="rId13"/>
-    <p:sldId id="809" r:id="rId14"/>
+    <p:sldId id="818" r:id="rId12"/>
+    <p:sldId id="820" r:id="rId13"/>
+    <p:sldId id="815" r:id="rId14"/>
+    <p:sldId id="813" r:id="rId15"/>
+    <p:sldId id="809" r:id="rId16"/>
+    <p:sldId id="819" r:id="rId17"/>
   </p:sldIdLst>
   <p:sldSz cx="13817600" cy="7772400"/>
   <p:notesSz cx="6858000" cy="9144000"/>
@@ -3226,57 +3229,36 @@
             <p:ph type="body" sz="quarter" idx="12"/>
           </p:nvPr>
         </p:nvSpPr>
-        <p:spPr>
-          <a:xfrm>
-            <a:off x="610625" y="1633220"/>
-            <a:ext cx="12722093" cy="5082540"/>
-          </a:xfrm>
-        </p:spPr>
+        <p:spPr/>
         <p:txBody>
           <a:bodyPr/>
           <a:lstStyle/>
           <a:p>
             <a:r>
               <a:rPr lang="en-US" dirty="0"/>
-              <a:t>Drastically reduces designer effort</a:t>
-            </a:r>
-          </a:p>
-          <a:p>
-            <a:r>
-              <a:rPr lang="en-US" dirty="0"/>
-              <a:t>Cruise control can evaluate 15 permutations of pragma placements in the same amount of time a designer can evaluate 1</a:t>
-            </a:r>
-          </a:p>
-          <a:p>
-            <a:r>
-              <a:rPr lang="en-US" dirty="0"/>
-              <a:t>7.9s per iteration</a:t>
-            </a:r>
-          </a:p>
-          <a:p>
-            <a:r>
-              <a:rPr lang="en-US" dirty="0"/>
-              <a:t>15x improvement in human efficiency</a:t>
-            </a:r>
-          </a:p>
-          <a:p>
-            <a:r>
-              <a:rPr lang="en-US" dirty="0"/>
-              <a:t>Can multitask while </a:t>
-            </a:r>
-            <a:r>
-              <a:rPr lang="en-US" dirty="0" err="1"/>
-              <a:t>CruiseControl</a:t>
-            </a:r>
-            <a:r>
-              <a:rPr lang="en-US" dirty="0"/>
-              <a:t> runs in background</a:t>
-            </a:r>
-          </a:p>
-          <a:p>
-            <a:pPr marL="0" indent="0">
-              <a:buNone/>
-            </a:pPr>
+              <a:t>Cannot analyze power without first placing and routing a netlist</a:t>
+            </a:r>
+          </a:p>
+          <a:p>
+            <a:pPr lvl="1"/>
+            <a:r>
+              <a:rPr lang="en-US" dirty="0"/>
+              <a:t>Not clear how to do this through TCL</a:t>
+            </a:r>
+          </a:p>
+          <a:p>
+            <a:r>
+              <a:rPr lang="en-US" dirty="0"/>
+              <a:t>Debugging TCL scripts time consuming</a:t>
+            </a:r>
+          </a:p>
+          <a:p>
+            <a:r>
+              <a:rPr lang="en-US" dirty="0"/>
+              <a:t>Windows…</a:t>
+            </a:r>
+          </a:p>
+          <a:p>
             <a:endParaRPr lang="en-US" dirty="0"/>
           </a:p>
         </p:txBody>
@@ -3298,7 +3280,7 @@
           <a:p>
             <a:r>
               <a:rPr lang="en-US" dirty="0"/>
-              <a:t>Results: Designer Effort</a:t>
+              <a:t>Challenges</a:t>
             </a:r>
           </a:p>
         </p:txBody>
@@ -3330,7 +3312,7 @@
     </p:spTree>
     <p:extLst>
       <p:ext uri="{BB962C8B-B14F-4D97-AF65-F5344CB8AC3E}">
-        <p14:creationId xmlns:p14="http://schemas.microsoft.com/office/powerpoint/2010/main" val="1821535578"/>
+        <p14:creationId xmlns:p14="http://schemas.microsoft.com/office/powerpoint/2010/main" val="2354611859"/>
       </p:ext>
     </p:extLst>
   </p:cSld>
@@ -3374,7 +3356,7 @@
           <a:p>
             <a:r>
               <a:rPr lang="en-US" dirty="0"/>
-              <a:t>Results: Speed Up</a:t>
+              <a:t>Design Space Analysis</a:t>
             </a:r>
           </a:p>
           <a:p>
@@ -3408,10 +3390,10 @@
       </p:sp>
       <p:pic>
         <p:nvPicPr>
-          <p:cNvPr id="5" name="Picture 4">
+          <p:cNvPr id="6" name="Picture 5">
             <a:extLst>
               <a:ext uri="{FF2B5EF4-FFF2-40B4-BE49-F238E27FC236}">
-                <a16:creationId xmlns:a16="http://schemas.microsoft.com/office/drawing/2014/main" id="{0F24F4FD-4BC9-4370-AB9D-2DF3ED4918F1}"/>
+                <a16:creationId xmlns:a16="http://schemas.microsoft.com/office/drawing/2014/main" id="{482A759F-94AB-467C-A41C-FFED20339402}"/>
               </a:ext>
             </a:extLst>
           </p:cNvPr>
@@ -3428,8 +3410,38 @@
         </p:blipFill>
         <p:spPr>
           <a:xfrm>
-            <a:off x="3420844" y="1638545"/>
-            <a:ext cx="6975912" cy="4991653"/>
+            <a:off x="173922" y="1757618"/>
+            <a:ext cx="6199113" cy="4649335"/>
+          </a:xfrm>
+          <a:prstGeom prst="rect">
+            <a:avLst/>
+          </a:prstGeom>
+        </p:spPr>
+      </p:pic>
+      <p:pic>
+        <p:nvPicPr>
+          <p:cNvPr id="7" name="Picture 6">
+            <a:extLst>
+              <a:ext uri="{FF2B5EF4-FFF2-40B4-BE49-F238E27FC236}">
+                <a16:creationId xmlns:a16="http://schemas.microsoft.com/office/drawing/2014/main" id="{7ED29429-593C-44A3-9364-E84CB59701BB}"/>
+              </a:ext>
+            </a:extLst>
+          </p:cNvPr>
+          <p:cNvPicPr>
+            <a:picLocks noChangeAspect="1"/>
+          </p:cNvPicPr>
+          <p:nvPr/>
+        </p:nvPicPr>
+        <p:blipFill>
+          <a:blip r:embed="rId3"/>
+          <a:stretch>
+            <a:fillRect/>
+          </a:stretch>
+        </p:blipFill>
+        <p:spPr>
+          <a:xfrm>
+            <a:off x="6478657" y="1755219"/>
+            <a:ext cx="7165021" cy="4649335"/>
           </a:xfrm>
           <a:prstGeom prst="rect">
             <a:avLst/>
@@ -3439,7 +3451,7 @@
     </p:spTree>
     <p:extLst>
       <p:ext uri="{BB962C8B-B14F-4D97-AF65-F5344CB8AC3E}">
-        <p14:creationId xmlns:p14="http://schemas.microsoft.com/office/powerpoint/2010/main" val="443334363"/>
+        <p14:creationId xmlns:p14="http://schemas.microsoft.com/office/powerpoint/2010/main" val="754298721"/>
       </p:ext>
     </p:extLst>
   </p:cSld>
@@ -3468,12 +3480,12 @@
       </p:grpSpPr>
       <p:sp>
         <p:nvSpPr>
-          <p:cNvPr id="2" name="Text Placeholder 1"/>
-          <p:cNvSpPr>
-            <a:spLocks noGrp="1"/>
-          </p:cNvSpPr>
-          <p:nvPr>
-            <p:ph type="body" sz="quarter" idx="12"/>
+          <p:cNvPr id="3" name="Text Placeholder 2"/>
+          <p:cNvSpPr>
+            <a:spLocks noGrp="1"/>
+          </p:cNvSpPr>
+          <p:nvPr>
+            <p:ph type="body" sz="quarter" idx="10"/>
           </p:nvPr>
         </p:nvSpPr>
         <p:spPr/>
@@ -3483,13 +3495,381 @@
           <a:p>
             <a:r>
               <a:rPr lang="en-US" dirty="0"/>
-              <a:t>Heuristic based search through design space</a:t>
-            </a:r>
-          </a:p>
-          <a:p>
-            <a:r>
-              <a:rPr lang="en-US" dirty="0"/>
-              <a:t>Resource constraint input parameters</a:t>
+              <a:t>Results: Speed Up</a:t>
+            </a:r>
+          </a:p>
+          <a:p>
+            <a:endParaRPr lang="en-US" dirty="0"/>
+          </a:p>
+        </p:txBody>
+      </p:sp>
+      <p:sp>
+        <p:nvSpPr>
+          <p:cNvPr id="4" name="Slide Number Placeholder 3"/>
+          <p:cNvSpPr>
+            <a:spLocks noGrp="1"/>
+          </p:cNvSpPr>
+          <p:nvPr>
+            <p:ph type="sldNum" sz="quarter" idx="4"/>
+          </p:nvPr>
+        </p:nvSpPr>
+        <p:spPr/>
+        <p:txBody>
+          <a:bodyPr/>
+          <a:lstStyle/>
+          <a:p>
+            <a:fld id="{7DAA0FC6-F71F-4650-BE21-9A15F164E712}" type="slidenum">
+              <a:rPr lang="en-US" smtClean="0"/>
+              <a:pPr/>
+              <a:t>12</a:t>
+            </a:fld>
+            <a:endParaRPr lang="en-US" dirty="0"/>
+          </a:p>
+        </p:txBody>
+      </p:sp>
+      <p:pic>
+        <p:nvPicPr>
+          <p:cNvPr id="5" name="Picture 4">
+            <a:extLst>
+              <a:ext uri="{FF2B5EF4-FFF2-40B4-BE49-F238E27FC236}">
+                <a16:creationId xmlns:a16="http://schemas.microsoft.com/office/drawing/2014/main" id="{0F24F4FD-4BC9-4370-AB9D-2DF3ED4918F1}"/>
+              </a:ext>
+            </a:extLst>
+          </p:cNvPr>
+          <p:cNvPicPr>
+            <a:picLocks noChangeAspect="1"/>
+          </p:cNvPicPr>
+          <p:nvPr/>
+        </p:nvPicPr>
+        <p:blipFill>
+          <a:blip r:embed="rId2"/>
+          <a:stretch>
+            <a:fillRect/>
+          </a:stretch>
+        </p:blipFill>
+        <p:spPr>
+          <a:xfrm>
+            <a:off x="6003943" y="1458006"/>
+            <a:ext cx="7679204" cy="5494898"/>
+          </a:xfrm>
+          <a:prstGeom prst="rect">
+            <a:avLst/>
+          </a:prstGeom>
+        </p:spPr>
+      </p:pic>
+      <p:sp>
+        <p:nvSpPr>
+          <p:cNvPr id="8" name="Text Placeholder 1">
+            <a:extLst>
+              <a:ext uri="{FF2B5EF4-FFF2-40B4-BE49-F238E27FC236}">
+                <a16:creationId xmlns:a16="http://schemas.microsoft.com/office/drawing/2014/main" id="{DB658DDC-0E1A-4563-9B6D-D02276A05446}"/>
+              </a:ext>
+            </a:extLst>
+          </p:cNvPr>
+          <p:cNvSpPr>
+            <a:spLocks noGrp="1"/>
+          </p:cNvSpPr>
+          <p:nvPr>
+            <p:ph type="body" sz="quarter" idx="12"/>
+          </p:nvPr>
+        </p:nvSpPr>
+        <p:spPr>
+          <a:xfrm>
+            <a:off x="610626" y="1633220"/>
+            <a:ext cx="6091324" cy="5082540"/>
+          </a:xfrm>
+        </p:spPr>
+        <p:txBody>
+          <a:bodyPr/>
+          <a:lstStyle/>
+          <a:p>
+            <a:pPr marL="0" indent="0">
+              <a:buNone/>
+            </a:pPr>
+            <a:r>
+              <a:rPr lang="en-US" dirty="0" err="1"/>
+              <a:t>mat_mul</a:t>
+            </a:r>
+            <a:r>
+              <a:rPr lang="en-US" dirty="0"/>
+              <a:t>: </a:t>
+            </a:r>
+            <a:r>
+              <a:rPr lang="en-US" b="1" dirty="0"/>
+              <a:t>7.3x</a:t>
+            </a:r>
+          </a:p>
+          <a:p>
+            <a:pPr marL="0" indent="0">
+              <a:buNone/>
+            </a:pPr>
+            <a:r>
+              <a:rPr lang="en-US" dirty="0"/>
+              <a:t>lenet_conv5: </a:t>
+            </a:r>
+            <a:r>
+              <a:rPr lang="en-US" b="1" dirty="0"/>
+              <a:t>1.8x</a:t>
+            </a:r>
+          </a:p>
+          <a:p>
+            <a:pPr marL="0" indent="0">
+              <a:buNone/>
+            </a:pPr>
+            <a:r>
+              <a:rPr lang="en-US" dirty="0"/>
+              <a:t>lenet_fc6: </a:t>
+            </a:r>
+            <a:r>
+              <a:rPr lang="en-US" b="1" dirty="0"/>
+              <a:t>1.75x</a:t>
+            </a:r>
+          </a:p>
+        </p:txBody>
+      </p:sp>
+    </p:spTree>
+    <p:extLst>
+      <p:ext uri="{BB962C8B-B14F-4D97-AF65-F5344CB8AC3E}">
+        <p14:creationId xmlns:p14="http://schemas.microsoft.com/office/powerpoint/2010/main" val="443334363"/>
+      </p:ext>
+    </p:extLst>
+  </p:cSld>
+  <p:clrMapOvr>
+    <a:masterClrMapping/>
+  </p:clrMapOvr>
+</p:sld>
+</file>
+
+<file path=ppt/slides/slide13.xml><?xml version="1.0" encoding="utf-8"?>
+<p:sld xmlns:a="http://schemas.openxmlformats.org/drawingml/2006/main" xmlns:r="http://schemas.openxmlformats.org/officeDocument/2006/relationships" xmlns:p="http://schemas.openxmlformats.org/presentationml/2006/main">
+  <p:cSld>
+    <p:spTree>
+      <p:nvGrpSpPr>
+        <p:cNvPr id="1" name=""/>
+        <p:cNvGrpSpPr/>
+        <p:nvPr/>
+      </p:nvGrpSpPr>
+      <p:grpSpPr>
+        <a:xfrm>
+          <a:off x="0" y="0"/>
+          <a:ext cx="0" cy="0"/>
+          <a:chOff x="0" y="0"/>
+          <a:chExt cx="0" cy="0"/>
+        </a:xfrm>
+      </p:grpSpPr>
+      <p:sp>
+        <p:nvSpPr>
+          <p:cNvPr id="2" name="Text Placeholder 1"/>
+          <p:cNvSpPr>
+            <a:spLocks noGrp="1"/>
+          </p:cNvSpPr>
+          <p:nvPr>
+            <p:ph type="body" sz="quarter" idx="12"/>
+          </p:nvPr>
+        </p:nvSpPr>
+        <p:spPr>
+          <a:xfrm>
+            <a:off x="610625" y="1633220"/>
+            <a:ext cx="12722093" cy="5082540"/>
+          </a:xfrm>
+        </p:spPr>
+        <p:txBody>
+          <a:bodyPr/>
+          <a:lstStyle/>
+          <a:p>
+            <a:r>
+              <a:rPr lang="en-US" dirty="0"/>
+              <a:t>Drastically reduces designer effort</a:t>
+            </a:r>
+          </a:p>
+          <a:p>
+            <a:r>
+              <a:rPr lang="en-US" dirty="0"/>
+              <a:t>Cruise control can evaluate 15 permutations of pragma placements in the same amount of time a designer can evaluate 1</a:t>
+            </a:r>
+          </a:p>
+          <a:p>
+            <a:r>
+              <a:rPr lang="en-US" dirty="0"/>
+              <a:t>7.9 seconds per iteration</a:t>
+            </a:r>
+          </a:p>
+          <a:p>
+            <a:r>
+              <a:rPr lang="en-US" dirty="0"/>
+              <a:t>15x improvement in human efficiency</a:t>
+            </a:r>
+          </a:p>
+          <a:p>
+            <a:r>
+              <a:rPr lang="en-US" dirty="0"/>
+              <a:t>Can multitask while </a:t>
+            </a:r>
+            <a:r>
+              <a:rPr lang="en-US" dirty="0" err="1"/>
+              <a:t>CruiseControl</a:t>
+            </a:r>
+            <a:r>
+              <a:rPr lang="en-US" dirty="0"/>
+              <a:t> runs in background</a:t>
+            </a:r>
+          </a:p>
+          <a:p>
+            <a:pPr marL="0" indent="0">
+              <a:buNone/>
+            </a:pPr>
+            <a:endParaRPr lang="en-US" dirty="0"/>
+          </a:p>
+        </p:txBody>
+      </p:sp>
+      <p:sp>
+        <p:nvSpPr>
+          <p:cNvPr id="3" name="Text Placeholder 2"/>
+          <p:cNvSpPr>
+            <a:spLocks noGrp="1"/>
+          </p:cNvSpPr>
+          <p:nvPr>
+            <p:ph type="body" sz="quarter" idx="10"/>
+          </p:nvPr>
+        </p:nvSpPr>
+        <p:spPr/>
+        <p:txBody>
+          <a:bodyPr/>
+          <a:lstStyle/>
+          <a:p>
+            <a:r>
+              <a:rPr lang="en-US" dirty="0"/>
+              <a:t>Results: Designer Effort</a:t>
+            </a:r>
+          </a:p>
+        </p:txBody>
+      </p:sp>
+      <p:sp>
+        <p:nvSpPr>
+          <p:cNvPr id="4" name="Slide Number Placeholder 3"/>
+          <p:cNvSpPr>
+            <a:spLocks noGrp="1"/>
+          </p:cNvSpPr>
+          <p:nvPr>
+            <p:ph type="sldNum" sz="quarter" idx="4"/>
+          </p:nvPr>
+        </p:nvSpPr>
+        <p:spPr/>
+        <p:txBody>
+          <a:bodyPr/>
+          <a:lstStyle/>
+          <a:p>
+            <a:fld id="{7DAA0FC6-F71F-4650-BE21-9A15F164E712}" type="slidenum">
+              <a:rPr lang="en-US" smtClean="0"/>
+              <a:pPr/>
+              <a:t>13</a:t>
+            </a:fld>
+            <a:endParaRPr lang="en-US" dirty="0"/>
+          </a:p>
+        </p:txBody>
+      </p:sp>
+    </p:spTree>
+    <p:extLst>
+      <p:ext uri="{BB962C8B-B14F-4D97-AF65-F5344CB8AC3E}">
+        <p14:creationId xmlns:p14="http://schemas.microsoft.com/office/powerpoint/2010/main" val="1821535578"/>
+      </p:ext>
+    </p:extLst>
+  </p:cSld>
+  <p:clrMapOvr>
+    <a:masterClrMapping/>
+  </p:clrMapOvr>
+</p:sld>
+</file>
+
+<file path=ppt/slides/slide14.xml><?xml version="1.0" encoding="utf-8"?>
+<p:sld xmlns:a="http://schemas.openxmlformats.org/drawingml/2006/main" xmlns:r="http://schemas.openxmlformats.org/officeDocument/2006/relationships" xmlns:p="http://schemas.openxmlformats.org/presentationml/2006/main">
+  <p:cSld>
+    <p:spTree>
+      <p:nvGrpSpPr>
+        <p:cNvPr id="1" name=""/>
+        <p:cNvGrpSpPr/>
+        <p:nvPr/>
+      </p:nvGrpSpPr>
+      <p:grpSpPr>
+        <a:xfrm>
+          <a:off x="0" y="0"/>
+          <a:ext cx="0" cy="0"/>
+          <a:chOff x="0" y="0"/>
+          <a:chExt cx="0" cy="0"/>
+        </a:xfrm>
+      </p:grpSpPr>
+      <p:sp>
+        <p:nvSpPr>
+          <p:cNvPr id="2" name="Text Placeholder 1"/>
+          <p:cNvSpPr>
+            <a:spLocks noGrp="1"/>
+          </p:cNvSpPr>
+          <p:nvPr>
+            <p:ph type="body" sz="quarter" idx="12"/>
+          </p:nvPr>
+        </p:nvSpPr>
+        <p:spPr/>
+        <p:txBody>
+          <a:bodyPr/>
+          <a:lstStyle/>
+          <a:p>
+            <a:r>
+              <a:rPr lang="en-US" dirty="0"/>
+              <a:t>Smarter search strategy</a:t>
+            </a:r>
+          </a:p>
+          <a:p>
+            <a:pPr lvl="1"/>
+            <a:r>
+              <a:rPr lang="en-US" dirty="0"/>
+              <a:t>Simulated annealing</a:t>
+            </a:r>
+          </a:p>
+          <a:p>
+            <a:r>
+              <a:rPr lang="en-US" dirty="0"/>
+              <a:t>Power Optimization</a:t>
+            </a:r>
+          </a:p>
+          <a:p>
+            <a:pPr lvl="1"/>
+            <a:r>
+              <a:rPr lang="en-US" dirty="0"/>
+              <a:t>Need valid place &amp; route</a:t>
+            </a:r>
+          </a:p>
+          <a:p>
+            <a:r>
+              <a:rPr lang="en-US" dirty="0"/>
+              <a:t>Different loop unrolling factors</a:t>
+            </a:r>
+          </a:p>
+          <a:p>
+            <a:pPr lvl="1"/>
+            <a:r>
+              <a:rPr lang="en-US" dirty="0"/>
+              <a:t>Optimize based on size of loop</a:t>
+            </a:r>
+          </a:p>
+          <a:p>
+            <a:r>
+              <a:rPr lang="en-US" dirty="0"/>
+              <a:t>Improve user experience</a:t>
+            </a:r>
+          </a:p>
+          <a:p>
+            <a:pPr lvl="1"/>
+            <a:r>
+              <a:rPr lang="en-US" dirty="0"/>
+              <a:t>Integration into </a:t>
+            </a:r>
+            <a:r>
+              <a:rPr lang="en-US" dirty="0" err="1"/>
+              <a:t>Vivado</a:t>
+            </a:r>
+            <a:r>
+              <a:rPr lang="en-US" dirty="0"/>
+              <a:t> HLS GUI</a:t>
             </a:r>
           </a:p>
           <a:p>
@@ -3545,7 +3925,7 @@
             <a:fld id="{7DAA0FC6-F71F-4650-BE21-9A15F164E712}" type="slidenum">
               <a:rPr lang="en-US" smtClean="0"/>
               <a:pPr/>
-              <a:t>12</a:t>
+              <a:t>14</a:t>
             </a:fld>
             <a:endParaRPr lang="en-US" dirty="0"/>
           </a:p>
@@ -3555,6 +3935,88 @@
     <p:extLst>
       <p:ext uri="{BB962C8B-B14F-4D97-AF65-F5344CB8AC3E}">
         <p14:creationId xmlns:p14="http://schemas.microsoft.com/office/powerpoint/2010/main" val="36122266"/>
+      </p:ext>
+    </p:extLst>
+  </p:cSld>
+  <p:clrMapOvr>
+    <a:masterClrMapping/>
+  </p:clrMapOvr>
+</p:sld>
+</file>
+
+<file path=ppt/slides/slide15.xml><?xml version="1.0" encoding="utf-8"?>
+<p:sld xmlns:a="http://schemas.openxmlformats.org/drawingml/2006/main" xmlns:r="http://schemas.openxmlformats.org/officeDocument/2006/relationships" xmlns:p="http://schemas.openxmlformats.org/presentationml/2006/main">
+  <p:cSld>
+    <p:spTree>
+      <p:nvGrpSpPr>
+        <p:cNvPr id="1" name=""/>
+        <p:cNvGrpSpPr/>
+        <p:nvPr/>
+      </p:nvGrpSpPr>
+      <p:grpSpPr>
+        <a:xfrm>
+          <a:off x="0" y="0"/>
+          <a:ext cx="0" cy="0"/>
+          <a:chOff x="0" y="0"/>
+          <a:chExt cx="0" cy="0"/>
+        </a:xfrm>
+      </p:grpSpPr>
+      <p:sp>
+        <p:nvSpPr>
+          <p:cNvPr id="3" name="Text Placeholder 2"/>
+          <p:cNvSpPr>
+            <a:spLocks noGrp="1"/>
+          </p:cNvSpPr>
+          <p:nvPr>
+            <p:ph type="body" sz="quarter" idx="10"/>
+          </p:nvPr>
+        </p:nvSpPr>
+        <p:spPr>
+          <a:xfrm>
+            <a:off x="593180" y="2907589"/>
+            <a:ext cx="12631240" cy="1335885"/>
+          </a:xfrm>
+        </p:spPr>
+        <p:txBody>
+          <a:bodyPr/>
+          <a:lstStyle/>
+          <a:p>
+            <a:pPr algn="ctr"/>
+            <a:r>
+              <a:rPr lang="en-US" sz="8000" dirty="0"/>
+              <a:t>Q/A</a:t>
+            </a:r>
+          </a:p>
+        </p:txBody>
+      </p:sp>
+      <p:sp>
+        <p:nvSpPr>
+          <p:cNvPr id="4" name="Slide Number Placeholder 3"/>
+          <p:cNvSpPr>
+            <a:spLocks noGrp="1"/>
+          </p:cNvSpPr>
+          <p:nvPr>
+            <p:ph type="sldNum" sz="quarter" idx="4"/>
+          </p:nvPr>
+        </p:nvSpPr>
+        <p:spPr/>
+        <p:txBody>
+          <a:bodyPr/>
+          <a:lstStyle/>
+          <a:p>
+            <a:fld id="{7DAA0FC6-F71F-4650-BE21-9A15F164E712}" type="slidenum">
+              <a:rPr lang="en-US" smtClean="0"/>
+              <a:pPr/>
+              <a:t>15</a:t>
+            </a:fld>
+            <a:endParaRPr lang="en-US" dirty="0"/>
+          </a:p>
+        </p:txBody>
+      </p:sp>
+    </p:spTree>
+    <p:extLst>
+      <p:ext uri="{BB962C8B-B14F-4D97-AF65-F5344CB8AC3E}">
+        <p14:creationId xmlns:p14="http://schemas.microsoft.com/office/powerpoint/2010/main" val="493949703"/>
       </p:ext>
     </p:extLst>
   </p:cSld>
@@ -3864,6 +4326,36 @@
           </a:p>
         </p:txBody>
       </p:sp>
+      <p:pic>
+        <p:nvPicPr>
+          <p:cNvPr id="2" name="Picture 1">
+            <a:extLst>
+              <a:ext uri="{FF2B5EF4-FFF2-40B4-BE49-F238E27FC236}">
+                <a16:creationId xmlns:a16="http://schemas.microsoft.com/office/drawing/2014/main" id="{BAB8C475-D84C-4BFA-8E8A-EA07A4C7E566}"/>
+              </a:ext>
+            </a:extLst>
+          </p:cNvPr>
+          <p:cNvPicPr>
+            <a:picLocks noChangeAspect="1"/>
+          </p:cNvPicPr>
+          <p:nvPr/>
+        </p:nvPicPr>
+        <p:blipFill>
+          <a:blip r:embed="rId2"/>
+          <a:stretch>
+            <a:fillRect/>
+          </a:stretch>
+        </p:blipFill>
+        <p:spPr>
+          <a:xfrm>
+            <a:off x="5682398" y="755612"/>
+            <a:ext cx="1845337" cy="6064060"/>
+          </a:xfrm>
+          <a:prstGeom prst="rect">
+            <a:avLst/>
+          </a:prstGeom>
+        </p:spPr>
+      </p:pic>
     </p:spTree>
     <p:extLst>
       <p:ext uri="{BB962C8B-B14F-4D97-AF65-F5344CB8AC3E}">
@@ -3911,7 +4403,7 @@
           <a:p>
             <a:r>
               <a:rPr lang="en-US" dirty="0"/>
-              <a:t>Input Parser</a:t>
+              <a:t>Approach: Input Parser</a:t>
             </a:r>
           </a:p>
         </p:txBody>
@@ -4279,6 +4771,10 @@
           <a:lstStyle/>
           <a:p>
             <a:r>
+              <a:rPr lang="en-US" dirty="0"/>
+              <a:t>Approach: </a:t>
+            </a:r>
+            <a:r>
               <a:rPr lang="en-US" dirty="0" err="1"/>
               <a:t>TCLer</a:t>
             </a:r>
@@ -4467,7 +4963,7 @@
           <a:p>
             <a:r>
               <a:rPr lang="en-US" dirty="0"/>
-              <a:t>Output Parser</a:t>
+              <a:t>Approach: Output Parser</a:t>
             </a:r>
           </a:p>
           <a:p>
@@ -4579,13 +5075,19 @@
           <a:p>
             <a:r>
               <a:rPr lang="en-US" dirty="0"/>
-              <a:t>The current tool can find an optimal solution, but BFS and exhaustive search scales exceptionally poorly.</a:t>
-            </a:r>
-          </a:p>
-          <a:p>
-            <a:r>
-              <a:rPr lang="en-US" dirty="0"/>
-              <a:t>With the number of loops in a small accelerator easily exceeding 9 runtime  </a:t>
+              <a:t>The current tool can find an optimal solution, but exhaustive search scales poorly</a:t>
+            </a:r>
+          </a:p>
+          <a:p>
+            <a:r>
+              <a:rPr lang="en-US" dirty="0"/>
+              <a:t>With the number of loops in a small accelerator easily exceeding 9, which leads to ~512 search states</a:t>
+            </a:r>
+          </a:p>
+          <a:p>
+            <a:r>
+              <a:rPr lang="en-US" dirty="0"/>
+              <a:t>We want to implement simulated annealing or a smarter search that throws out states based on the data we’ve collected so far</a:t>
             </a:r>
           </a:p>
         </p:txBody>

--- a/Documentation/final_presentation.pptx
+++ b/Documentation/final_presentation.pptx
@@ -3184,7 +3184,7 @@
           <a:p>
             <a:r>
               <a:rPr lang="en-US" dirty="0"/>
-              <a:t>ECE 527 Final Project Proposal</a:t>
+              <a:t>ECE 527 Final Project</a:t>
             </a:r>
           </a:p>
         </p:txBody>
@@ -3249,7 +3249,7 @@
           <a:p>
             <a:r>
               <a:rPr lang="en-US" dirty="0"/>
-              <a:t>Debugging TCL scripts time consuming</a:t>
+              <a:t>Debugging TCL scripts is time consuming</a:t>
             </a:r>
           </a:p>
           <a:p>
@@ -3596,7 +3596,7 @@
             </a:r>
             <a:r>
               <a:rPr lang="en-US" b="1" dirty="0"/>
-              <a:t>7.3x</a:t>
+              <a:t>7.35x</a:t>
             </a:r>
           </a:p>
           <a:p>
@@ -3609,7 +3609,7 @@
             </a:r>
             <a:r>
               <a:rPr lang="en-US" b="1" dirty="0"/>
-              <a:t>1.8x</a:t>
+              <a:t>1.85x</a:t>
             </a:r>
           </a:p>
           <a:p>
@@ -3622,7 +3622,7 @@
             </a:r>
             <a:r>
               <a:rPr lang="en-US" b="1" dirty="0"/>
-              <a:t>1.75x</a:t>
+              <a:t>1.73x</a:t>
             </a:r>
           </a:p>
         </p:txBody>
@@ -3814,69 +3814,70 @@
           <a:lstStyle/>
           <a:p>
             <a:r>
-              <a:rPr lang="en-US" dirty="0"/>
+              <a:rPr lang="en-US" sz="2800" dirty="0"/>
               <a:t>Smarter search strategy</a:t>
             </a:r>
           </a:p>
           <a:p>
             <a:pPr lvl="1"/>
             <a:r>
-              <a:rPr lang="en-US" dirty="0"/>
+              <a:rPr lang="en-US" sz="2800" dirty="0"/>
               <a:t>Simulated annealing</a:t>
             </a:r>
           </a:p>
           <a:p>
-            <a:r>
-              <a:rPr lang="en-US" dirty="0"/>
+            <a:pPr lvl="1"/>
+            <a:r>
+              <a:rPr lang="en-US" sz="2800" dirty="0"/>
+              <a:t>Throw out states known to be bad</a:t>
+            </a:r>
+          </a:p>
+          <a:p>
+            <a:r>
+              <a:rPr lang="en-US" sz="2800" dirty="0"/>
               <a:t>Power Optimization</a:t>
             </a:r>
           </a:p>
           <a:p>
             <a:pPr lvl="1"/>
             <a:r>
-              <a:rPr lang="en-US" dirty="0"/>
+              <a:rPr lang="en-US" sz="2800" dirty="0"/>
               <a:t>Need valid place &amp; route</a:t>
             </a:r>
           </a:p>
           <a:p>
             <a:r>
-              <a:rPr lang="en-US" dirty="0"/>
+              <a:rPr lang="en-US" sz="2800" dirty="0"/>
               <a:t>Different loop unrolling factors</a:t>
             </a:r>
           </a:p>
           <a:p>
             <a:pPr lvl="1"/>
             <a:r>
-              <a:rPr lang="en-US" dirty="0"/>
+              <a:rPr lang="en-US" sz="2800" dirty="0"/>
               <a:t>Optimize based on size of loop</a:t>
             </a:r>
           </a:p>
           <a:p>
             <a:r>
-              <a:rPr lang="en-US" dirty="0"/>
+              <a:rPr lang="en-US" sz="2800" dirty="0"/>
               <a:t>Improve user experience</a:t>
             </a:r>
           </a:p>
           <a:p>
             <a:pPr lvl="1"/>
             <a:r>
-              <a:rPr lang="en-US" dirty="0"/>
+              <a:rPr lang="en-US" sz="2800" dirty="0"/>
               <a:t>Integration into </a:t>
             </a:r>
             <a:r>
-              <a:rPr lang="en-US" dirty="0" err="1"/>
+              <a:rPr lang="en-US" sz="2800" dirty="0" err="1"/>
               <a:t>Vivado</a:t>
             </a:r>
             <a:r>
-              <a:rPr lang="en-US" dirty="0"/>
+              <a:rPr lang="en-US" sz="2800" dirty="0"/>
               <a:t> HLS GUI</a:t>
             </a:r>
-          </a:p>
-          <a:p>
-            <a:endParaRPr lang="en-US" dirty="0"/>
-          </a:p>
-          <a:p>
-            <a:endParaRPr lang="en-US" dirty="0"/>
           </a:p>
         </p:txBody>
       </p:sp>
@@ -3928,6 +3929,140 @@
               <a:t>14</a:t>
             </a:fld>
             <a:endParaRPr lang="en-US" dirty="0"/>
+          </a:p>
+        </p:txBody>
+      </p:sp>
+      <p:pic>
+        <p:nvPicPr>
+          <p:cNvPr id="6" name="Picture 5">
+            <a:extLst>
+              <a:ext uri="{FF2B5EF4-FFF2-40B4-BE49-F238E27FC236}">
+                <a16:creationId xmlns:a16="http://schemas.microsoft.com/office/drawing/2014/main" id="{E786FB98-C50B-4BC4-9D83-2420EE105B4F}"/>
+              </a:ext>
+            </a:extLst>
+          </p:cNvPr>
+          <p:cNvPicPr>
+            <a:picLocks noChangeAspect="1"/>
+          </p:cNvPicPr>
+          <p:nvPr/>
+        </p:nvPicPr>
+        <p:blipFill>
+          <a:blip r:embed="rId2"/>
+          <a:stretch>
+            <a:fillRect/>
+          </a:stretch>
+        </p:blipFill>
+        <p:spPr>
+          <a:xfrm>
+            <a:off x="7327589" y="1791840"/>
+            <a:ext cx="5584958" cy="4188719"/>
+          </a:xfrm>
+          <a:prstGeom prst="rect">
+            <a:avLst/>
+          </a:prstGeom>
+        </p:spPr>
+      </p:pic>
+      <p:sp>
+        <p:nvSpPr>
+          <p:cNvPr id="5" name="Multiplication Sign 4">
+            <a:extLst>
+              <a:ext uri="{FF2B5EF4-FFF2-40B4-BE49-F238E27FC236}">
+                <a16:creationId xmlns:a16="http://schemas.microsoft.com/office/drawing/2014/main" id="{B3522633-3C26-4B7A-8E40-7C2F160481E9}"/>
+              </a:ext>
+            </a:extLst>
+          </p:cNvPr>
+          <p:cNvSpPr/>
+          <p:nvPr/>
+        </p:nvSpPr>
+        <p:spPr>
+          <a:xfrm>
+            <a:off x="7895597" y="3789011"/>
+            <a:ext cx="1242927" cy="1248403"/>
+          </a:xfrm>
+          <a:prstGeom prst="mathMultiply">
+            <a:avLst>
+              <a:gd name="adj1" fmla="val 9423"/>
+            </a:avLst>
+          </a:prstGeom>
+          <a:solidFill>
+            <a:srgbClr val="FF0000"/>
+          </a:solidFill>
+          <a:ln>
+            <a:noFill/>
+          </a:ln>
+        </p:spPr>
+        <p:style>
+          <a:lnRef idx="1">
+            <a:schemeClr val="accent1"/>
+          </a:lnRef>
+          <a:fillRef idx="3">
+            <a:schemeClr val="accent1"/>
+          </a:fillRef>
+          <a:effectRef idx="2">
+            <a:schemeClr val="accent1"/>
+          </a:effectRef>
+          <a:fontRef idx="minor">
+            <a:schemeClr val="lt1"/>
+          </a:fontRef>
+        </p:style>
+        <p:txBody>
+          <a:bodyPr rtlCol="0" anchor="ctr"/>
+          <a:lstStyle/>
+          <a:p>
+            <a:pPr algn="ctr"/>
+            <a:endParaRPr lang="en-US"/>
+          </a:p>
+        </p:txBody>
+      </p:sp>
+      <p:sp>
+        <p:nvSpPr>
+          <p:cNvPr id="8" name="Multiplication Sign 7">
+            <a:extLst>
+              <a:ext uri="{FF2B5EF4-FFF2-40B4-BE49-F238E27FC236}">
+                <a16:creationId xmlns:a16="http://schemas.microsoft.com/office/drawing/2014/main" id="{6910026E-6CF7-479D-B838-D29D7A74647C}"/>
+              </a:ext>
+            </a:extLst>
+          </p:cNvPr>
+          <p:cNvSpPr/>
+          <p:nvPr/>
+        </p:nvSpPr>
+        <p:spPr>
+          <a:xfrm>
+            <a:off x="9865846" y="3789011"/>
+            <a:ext cx="1242927" cy="1248403"/>
+          </a:xfrm>
+          <a:prstGeom prst="mathMultiply">
+            <a:avLst>
+              <a:gd name="adj1" fmla="val 9423"/>
+            </a:avLst>
+          </a:prstGeom>
+          <a:solidFill>
+            <a:srgbClr val="FF0000"/>
+          </a:solidFill>
+          <a:ln>
+            <a:noFill/>
+          </a:ln>
+        </p:spPr>
+        <p:style>
+          <a:lnRef idx="1">
+            <a:schemeClr val="accent1"/>
+          </a:lnRef>
+          <a:fillRef idx="3">
+            <a:schemeClr val="accent1"/>
+          </a:fillRef>
+          <a:effectRef idx="2">
+            <a:schemeClr val="accent1"/>
+          </a:effectRef>
+          <a:fontRef idx="minor">
+            <a:schemeClr val="lt1"/>
+          </a:fontRef>
+        </p:style>
+        <p:txBody>
+          <a:bodyPr rtlCol="0" anchor="ctr"/>
+          <a:lstStyle/>
+          <a:p>
+            <a:pPr algn="ctr"/>
+            <a:endParaRPr lang="en-US"/>
           </a:p>
         </p:txBody>
       </p:sp>
@@ -4220,7 +4355,7 @@
           <a:p>
             <a:r>
               <a:rPr lang="en-US" dirty="0"/>
-              <a:t>A design tool that can parse HLS source code and automatically evaluate different pragma placement permutations for an efficient solution.</a:t>
+              <a:t>A design tool that can parse HLS source code and automatically evaluate different pragma placement permutations for an efficient solution</a:t>
             </a:r>
           </a:p>
           <a:p>
